--- a/5.0 Анализ данных. Начало.pptx
+++ b/5.0 Анализ данных. Начало.pptx
@@ -5,7 +5,7 @@
     <p:sldMasterId id="2147483648" r:id="rId1"/>
   </p:sldMasterIdLst>
   <p:notesMasterIdLst>
-    <p:notesMasterId r:id="rId34"/>
+    <p:notesMasterId r:id="rId38"/>
   </p:notesMasterIdLst>
   <p:sldIdLst>
     <p:sldId id="256" r:id="rId2"/>
@@ -40,6 +40,10 @@
     <p:sldId id="321" r:id="rId31"/>
     <p:sldId id="322" r:id="rId32"/>
     <p:sldId id="278" r:id="rId33"/>
+    <p:sldId id="323" r:id="rId34"/>
+    <p:sldId id="324" r:id="rId35"/>
+    <p:sldId id="325" r:id="rId36"/>
+    <p:sldId id="326" r:id="rId37"/>
   </p:sldIdLst>
   <p:sldSz cx="12192000" cy="6858000"/>
   <p:notesSz cx="6858000" cy="9144000"/>
@@ -181,6 +185,14 @@
             <p14:sldId id="278"/>
           </p14:sldIdLst>
         </p14:section>
+        <p14:section name="Процесс" id="{16A12B2F-0FD7-48C1-9546-9653D7D9F7C1}">
+          <p14:sldIdLst>
+            <p14:sldId id="323"/>
+            <p14:sldId id="324"/>
+            <p14:sldId id="325"/>
+            <p14:sldId id="326"/>
+          </p14:sldIdLst>
+        </p14:section>
       </p14:sectionLst>
     </p:ext>
     <p:ext uri="{EFAFB233-063F-42B5-8137-9DF3F51BA10A}">
@@ -276,7 +288,7 @@
           <a:p>
             <a:fld id="{245D6BBE-FF37-4515-B796-D30B23A0C718}" type="datetimeFigureOut">
               <a:rPr lang="ru-RU" smtClean="0"/>
-              <a:t>19.11.2017</a:t>
+              <a:t>27.11.2017</a:t>
             </a:fld>
             <a:endParaRPr lang="ru-RU"/>
           </a:p>
@@ -1848,7 +1860,7 @@
           <a:p>
             <a:fld id="{7CD9CFFE-9B8E-4E6F-9C50-BF6CD17BA4CD}" type="datetimeFigureOut">
               <a:rPr lang="ru-RU" smtClean="0"/>
-              <a:t>19.11.2017</a:t>
+              <a:t>27.11.2017</a:t>
             </a:fld>
             <a:endParaRPr lang="ru-RU"/>
           </a:p>
@@ -2016,7 +2028,7 @@
           <a:p>
             <a:fld id="{7CD9CFFE-9B8E-4E6F-9C50-BF6CD17BA4CD}" type="datetimeFigureOut">
               <a:rPr lang="ru-RU" smtClean="0"/>
-              <a:t>19.11.2017</a:t>
+              <a:t>27.11.2017</a:t>
             </a:fld>
             <a:endParaRPr lang="ru-RU"/>
           </a:p>
@@ -2194,7 +2206,7 @@
           <a:p>
             <a:fld id="{7CD9CFFE-9B8E-4E6F-9C50-BF6CD17BA4CD}" type="datetimeFigureOut">
               <a:rPr lang="ru-RU" smtClean="0"/>
-              <a:t>19.11.2017</a:t>
+              <a:t>27.11.2017</a:t>
             </a:fld>
             <a:endParaRPr lang="ru-RU"/>
           </a:p>
@@ -2362,7 +2374,7 @@
           <a:p>
             <a:fld id="{7CD9CFFE-9B8E-4E6F-9C50-BF6CD17BA4CD}" type="datetimeFigureOut">
               <a:rPr lang="ru-RU" smtClean="0"/>
-              <a:t>19.11.2017</a:t>
+              <a:t>27.11.2017</a:t>
             </a:fld>
             <a:endParaRPr lang="ru-RU"/>
           </a:p>
@@ -2607,7 +2619,7 @@
           <a:p>
             <a:fld id="{7CD9CFFE-9B8E-4E6F-9C50-BF6CD17BA4CD}" type="datetimeFigureOut">
               <a:rPr lang="ru-RU" smtClean="0"/>
-              <a:t>19.11.2017</a:t>
+              <a:t>27.11.2017</a:t>
             </a:fld>
             <a:endParaRPr lang="ru-RU"/>
           </a:p>
@@ -2836,7 +2848,7 @@
           <a:p>
             <a:fld id="{7CD9CFFE-9B8E-4E6F-9C50-BF6CD17BA4CD}" type="datetimeFigureOut">
               <a:rPr lang="ru-RU" smtClean="0"/>
-              <a:t>19.11.2017</a:t>
+              <a:t>27.11.2017</a:t>
             </a:fld>
             <a:endParaRPr lang="ru-RU"/>
           </a:p>
@@ -3200,7 +3212,7 @@
           <a:p>
             <a:fld id="{7CD9CFFE-9B8E-4E6F-9C50-BF6CD17BA4CD}" type="datetimeFigureOut">
               <a:rPr lang="ru-RU" smtClean="0"/>
-              <a:t>19.11.2017</a:t>
+              <a:t>27.11.2017</a:t>
             </a:fld>
             <a:endParaRPr lang="ru-RU"/>
           </a:p>
@@ -3317,7 +3329,7 @@
           <a:p>
             <a:fld id="{7CD9CFFE-9B8E-4E6F-9C50-BF6CD17BA4CD}" type="datetimeFigureOut">
               <a:rPr lang="ru-RU" smtClean="0"/>
-              <a:t>19.11.2017</a:t>
+              <a:t>27.11.2017</a:t>
             </a:fld>
             <a:endParaRPr lang="ru-RU"/>
           </a:p>
@@ -3412,7 +3424,7 @@
           <a:p>
             <a:fld id="{7CD9CFFE-9B8E-4E6F-9C50-BF6CD17BA4CD}" type="datetimeFigureOut">
               <a:rPr lang="ru-RU" smtClean="0"/>
-              <a:t>19.11.2017</a:t>
+              <a:t>27.11.2017</a:t>
             </a:fld>
             <a:endParaRPr lang="ru-RU"/>
           </a:p>
@@ -3687,7 +3699,7 @@
           <a:p>
             <a:fld id="{7CD9CFFE-9B8E-4E6F-9C50-BF6CD17BA4CD}" type="datetimeFigureOut">
               <a:rPr lang="ru-RU" smtClean="0"/>
-              <a:t>19.11.2017</a:t>
+              <a:t>27.11.2017</a:t>
             </a:fld>
             <a:endParaRPr lang="ru-RU"/>
           </a:p>
@@ -3939,7 +3951,7 @@
           <a:p>
             <a:fld id="{7CD9CFFE-9B8E-4E6F-9C50-BF6CD17BA4CD}" type="datetimeFigureOut">
               <a:rPr lang="ru-RU" smtClean="0"/>
-              <a:t>19.11.2017</a:t>
+              <a:t>27.11.2017</a:t>
             </a:fld>
             <a:endParaRPr lang="ru-RU"/>
           </a:p>
@@ -4150,7 +4162,7 @@
           <a:p>
             <a:fld id="{7CD9CFFE-9B8E-4E6F-9C50-BF6CD17BA4CD}" type="datetimeFigureOut">
               <a:rPr lang="ru-RU" smtClean="0"/>
-              <a:t>19.11.2017</a:t>
+              <a:t>27.11.2017</a:t>
             </a:fld>
             <a:endParaRPr lang="ru-RU"/>
           </a:p>
@@ -8143,14 +8155,8 @@
           <a:p>
             <a:r>
               <a:rPr lang="ru-RU" sz="3600" dirty="0"/>
-              <a:t>Линейные модели (надеюсь вы знаете про них!)</a:t>
-            </a:r>
-          </a:p>
-          <a:p>
-            <a:pPr marL="0" indent="0">
-              <a:buNone/>
-            </a:pPr>
-            <a:endParaRPr lang="ru-RU" sz="3600" dirty="0"/>
+              <a:t>Линейные модели</a:t>
+            </a:r>
           </a:p>
         </p:txBody>
       </p:sp>
@@ -12568,6 +12574,623 @@
     <p:extLst>
       <p:ext uri="{BB962C8B-B14F-4D97-AF65-F5344CB8AC3E}">
         <p14:creationId xmlns:p14="http://schemas.microsoft.com/office/powerpoint/2010/main" val="2915561100"/>
+      </p:ext>
+    </p:extLst>
+  </p:cSld>
+  <p:clrMapOvr>
+    <a:masterClrMapping/>
+  </p:clrMapOvr>
+</p:sld>
+</file>
+
+<file path=ppt/slides/slide33.xml><?xml version="1.0" encoding="utf-8"?>
+<p:sld xmlns:a="http://schemas.openxmlformats.org/drawingml/2006/main" xmlns:r="http://schemas.openxmlformats.org/officeDocument/2006/relationships" xmlns:p="http://schemas.openxmlformats.org/presentationml/2006/main">
+  <p:cSld>
+    <p:spTree>
+      <p:nvGrpSpPr>
+        <p:cNvPr id="1" name=""/>
+        <p:cNvGrpSpPr/>
+        <p:nvPr/>
+      </p:nvGrpSpPr>
+      <p:grpSpPr>
+        <a:xfrm>
+          <a:off x="0" y="0"/>
+          <a:ext cx="0" cy="0"/>
+          <a:chOff x="0" y="0"/>
+          <a:chExt cx="0" cy="0"/>
+        </a:xfrm>
+      </p:grpSpPr>
+      <p:sp>
+        <p:nvSpPr>
+          <p:cNvPr id="2" name="Заголовок 1">
+            <a:extLst>
+              <a:ext uri="{FF2B5EF4-FFF2-40B4-BE49-F238E27FC236}">
+                <a16:creationId xmlns:a16="http://schemas.microsoft.com/office/drawing/2014/main" id="{21D27BB6-08E6-4281-BADE-CF3DA3DD6C96}"/>
+              </a:ext>
+            </a:extLst>
+          </p:cNvPr>
+          <p:cNvSpPr>
+            <a:spLocks noGrp="1"/>
+          </p:cNvSpPr>
+          <p:nvPr>
+            <p:ph type="title"/>
+          </p:nvPr>
+        </p:nvSpPr>
+        <p:spPr/>
+        <p:txBody>
+          <a:bodyPr/>
+          <a:lstStyle/>
+          <a:p>
+            <a:r>
+              <a:rPr lang="ru-RU" dirty="0"/>
+              <a:t>Накопление данных (</a:t>
+            </a:r>
+            <a:r>
+              <a:rPr lang="en-US" dirty="0"/>
+              <a:t>Data Collection</a:t>
+            </a:r>
+            <a:r>
+              <a:rPr lang="ru-RU" dirty="0"/>
+              <a:t>)</a:t>
+            </a:r>
+          </a:p>
+        </p:txBody>
+      </p:sp>
+      <p:sp>
+        <p:nvSpPr>
+          <p:cNvPr id="3" name="Объект 2">
+            <a:extLst>
+              <a:ext uri="{FF2B5EF4-FFF2-40B4-BE49-F238E27FC236}">
+                <a16:creationId xmlns:a16="http://schemas.microsoft.com/office/drawing/2014/main" id="{B0C124A6-BAD0-4E7C-8842-0AD1A03133FD}"/>
+              </a:ext>
+            </a:extLst>
+          </p:cNvPr>
+          <p:cNvSpPr>
+            <a:spLocks noGrp="1"/>
+          </p:cNvSpPr>
+          <p:nvPr>
+            <p:ph idx="1"/>
+          </p:nvPr>
+        </p:nvSpPr>
+        <p:spPr/>
+        <p:txBody>
+          <a:bodyPr>
+            <a:normAutofit lnSpcReduction="10000"/>
+          </a:bodyPr>
+          <a:lstStyle/>
+          <a:p>
+            <a:r>
+              <a:rPr lang="ru-RU" dirty="0"/>
+              <a:t>Собирайте оригинальные </a:t>
+            </a:r>
+            <a:r>
+              <a:rPr lang="en-US" dirty="0"/>
+              <a:t>“</a:t>
+            </a:r>
+            <a:r>
+              <a:rPr lang="ru-RU" dirty="0"/>
+              <a:t>сырые</a:t>
+            </a:r>
+            <a:r>
+              <a:rPr lang="en-US" dirty="0"/>
+              <a:t>”</a:t>
+            </a:r>
+            <a:r>
+              <a:rPr lang="ru-RU" dirty="0"/>
+              <a:t> данные</a:t>
+            </a:r>
+          </a:p>
+          <a:p>
+            <a:r>
+              <a:rPr lang="ru-RU" dirty="0"/>
+              <a:t>Обрабатывайте данные перед анализом</a:t>
+            </a:r>
+          </a:p>
+          <a:p>
+            <a:pPr lvl="1"/>
+            <a:r>
+              <a:rPr lang="ru-RU" dirty="0"/>
+              <a:t>Удостоверьтесь, что знаете про означает каждый параметр (переменная) в наборе данных</a:t>
+            </a:r>
+          </a:p>
+          <a:p>
+            <a:pPr lvl="1"/>
+            <a:r>
+              <a:rPr lang="ru-RU" dirty="0"/>
+              <a:t>Преобразуйте данные в корректный тип</a:t>
+            </a:r>
+          </a:p>
+          <a:p>
+            <a:pPr lvl="1"/>
+            <a:r>
+              <a:rPr lang="ru-RU" dirty="0"/>
+              <a:t>Обработайте отсутствующие значения</a:t>
+            </a:r>
+          </a:p>
+          <a:p>
+            <a:pPr lvl="1"/>
+            <a:r>
+              <a:rPr lang="ru-RU" dirty="0"/>
+              <a:t>Решите, что делать с дубликатами</a:t>
+            </a:r>
+          </a:p>
+          <a:p>
+            <a:pPr lvl="1"/>
+            <a:r>
+              <a:rPr lang="ru-RU" dirty="0"/>
+              <a:t>Проверьте допустимые интервалы значений!</a:t>
+            </a:r>
+          </a:p>
+          <a:p>
+            <a:r>
+              <a:rPr lang="ru-RU" dirty="0"/>
+              <a:t>Если данные одной переменной получены из разных источников(систем) уточните алгоритм формирования этого значения в этих системах</a:t>
+            </a:r>
+          </a:p>
+          <a:p>
+            <a:pPr lvl="1"/>
+            <a:endParaRPr lang="ru-RU" dirty="0"/>
+          </a:p>
+        </p:txBody>
+      </p:sp>
+    </p:spTree>
+    <p:extLst>
+      <p:ext uri="{BB962C8B-B14F-4D97-AF65-F5344CB8AC3E}">
+        <p14:creationId xmlns:p14="http://schemas.microsoft.com/office/powerpoint/2010/main" val="860515292"/>
+      </p:ext>
+    </p:extLst>
+  </p:cSld>
+  <p:clrMapOvr>
+    <a:masterClrMapping/>
+  </p:clrMapOvr>
+</p:sld>
+</file>
+
+<file path=ppt/slides/slide34.xml><?xml version="1.0" encoding="utf-8"?>
+<p:sld xmlns:a="http://schemas.openxmlformats.org/drawingml/2006/main" xmlns:r="http://schemas.openxmlformats.org/officeDocument/2006/relationships" xmlns:p="http://schemas.openxmlformats.org/presentationml/2006/main">
+  <p:cSld>
+    <p:spTree>
+      <p:nvGrpSpPr>
+        <p:cNvPr id="1" name=""/>
+        <p:cNvGrpSpPr/>
+        <p:nvPr/>
+      </p:nvGrpSpPr>
+      <p:grpSpPr>
+        <a:xfrm>
+          <a:off x="0" y="0"/>
+          <a:ext cx="0" cy="0"/>
+          <a:chOff x="0" y="0"/>
+          <a:chExt cx="0" cy="0"/>
+        </a:xfrm>
+      </p:grpSpPr>
+      <p:sp>
+        <p:nvSpPr>
+          <p:cNvPr id="2" name="Заголовок 1">
+            <a:extLst>
+              <a:ext uri="{FF2B5EF4-FFF2-40B4-BE49-F238E27FC236}">
+                <a16:creationId xmlns:a16="http://schemas.microsoft.com/office/drawing/2014/main" id="{21D27BB6-08E6-4281-BADE-CF3DA3DD6C96}"/>
+              </a:ext>
+            </a:extLst>
+          </p:cNvPr>
+          <p:cNvSpPr>
+            <a:spLocks noGrp="1"/>
+          </p:cNvSpPr>
+          <p:nvPr>
+            <p:ph type="title"/>
+          </p:nvPr>
+        </p:nvSpPr>
+        <p:spPr/>
+        <p:txBody>
+          <a:bodyPr/>
+          <a:lstStyle/>
+          <a:p>
+            <a:r>
+              <a:rPr lang="ru-RU" dirty="0"/>
+              <a:t>Анализ данных (</a:t>
+            </a:r>
+            <a:r>
+              <a:rPr lang="en-US" dirty="0"/>
+              <a:t>HADI</a:t>
+            </a:r>
+            <a:r>
+              <a:rPr lang="ru-RU" dirty="0"/>
+              <a:t>)</a:t>
+            </a:r>
+          </a:p>
+        </p:txBody>
+      </p:sp>
+      <p:sp>
+        <p:nvSpPr>
+          <p:cNvPr id="3" name="Объект 2">
+            <a:extLst>
+              <a:ext uri="{FF2B5EF4-FFF2-40B4-BE49-F238E27FC236}">
+                <a16:creationId xmlns:a16="http://schemas.microsoft.com/office/drawing/2014/main" id="{B0C124A6-BAD0-4E7C-8842-0AD1A03133FD}"/>
+              </a:ext>
+            </a:extLst>
+          </p:cNvPr>
+          <p:cNvSpPr>
+            <a:spLocks noGrp="1"/>
+          </p:cNvSpPr>
+          <p:nvPr>
+            <p:ph idx="1"/>
+          </p:nvPr>
+        </p:nvSpPr>
+        <p:spPr/>
+        <p:txBody>
+          <a:bodyPr>
+            <a:normAutofit/>
+          </a:bodyPr>
+          <a:lstStyle/>
+          <a:p>
+            <a:endParaRPr lang="en-US" dirty="0"/>
+          </a:p>
+          <a:p>
+            <a:endParaRPr lang="en-US" dirty="0"/>
+          </a:p>
+          <a:p>
+            <a:endParaRPr lang="en-US" dirty="0"/>
+          </a:p>
+          <a:p>
+            <a:endParaRPr lang="en-US" dirty="0"/>
+          </a:p>
+          <a:p>
+            <a:r>
+              <a:rPr lang="ru-RU" dirty="0"/>
+              <a:t>Гипотеза – идея, догадка, допущение</a:t>
+            </a:r>
+          </a:p>
+          <a:p>
+            <a:r>
+              <a:rPr lang="ru-RU" dirty="0"/>
+              <a:t>Действие</a:t>
+            </a:r>
+            <a:endParaRPr lang="en-US" dirty="0"/>
+          </a:p>
+          <a:p>
+            <a:r>
+              <a:rPr lang="ru-RU" dirty="0"/>
+              <a:t>Данные – сбор данных </a:t>
+            </a:r>
+          </a:p>
+          <a:p>
+            <a:r>
+              <a:rPr lang="ru-RU" dirty="0"/>
+              <a:t>Выводы – интерпретация результата</a:t>
+            </a:r>
+          </a:p>
+          <a:p>
+            <a:pPr lvl="1"/>
+            <a:endParaRPr lang="ru-RU" dirty="0"/>
+          </a:p>
+        </p:txBody>
+      </p:sp>
+      <p:pic>
+        <p:nvPicPr>
+          <p:cNvPr id="6" name="Рисунок 5">
+            <a:extLst>
+              <a:ext uri="{FF2B5EF4-FFF2-40B4-BE49-F238E27FC236}">
+                <a16:creationId xmlns:a16="http://schemas.microsoft.com/office/drawing/2014/main" id="{9915822E-331E-4B03-943C-2DE9EF22D9AA}"/>
+              </a:ext>
+            </a:extLst>
+          </p:cNvPr>
+          <p:cNvPicPr>
+            <a:picLocks noChangeAspect="1"/>
+          </p:cNvPicPr>
+          <p:nvPr/>
+        </p:nvPicPr>
+        <p:blipFill>
+          <a:blip r:embed="rId2"/>
+          <a:stretch>
+            <a:fillRect/>
+          </a:stretch>
+        </p:blipFill>
+        <p:spPr>
+          <a:xfrm>
+            <a:off x="8153743" y="3105527"/>
+            <a:ext cx="4038257" cy="3752473"/>
+          </a:xfrm>
+          <a:prstGeom prst="rect">
+            <a:avLst/>
+          </a:prstGeom>
+        </p:spPr>
+      </p:pic>
+      <p:pic>
+        <p:nvPicPr>
+          <p:cNvPr id="5" name="Рисунок 4">
+            <a:extLst>
+              <a:ext uri="{FF2B5EF4-FFF2-40B4-BE49-F238E27FC236}">
+                <a16:creationId xmlns:a16="http://schemas.microsoft.com/office/drawing/2014/main" id="{67E99DFA-0149-4680-BF61-442FDE2DB806}"/>
+              </a:ext>
+            </a:extLst>
+          </p:cNvPr>
+          <p:cNvPicPr>
+            <a:picLocks noChangeAspect="1"/>
+          </p:cNvPicPr>
+          <p:nvPr/>
+        </p:nvPicPr>
+        <p:blipFill>
+          <a:blip r:embed="rId3">
+            <a:extLst>
+              <a:ext uri="{28A0092B-C50C-407E-A947-70E740481C1C}">
+                <a14:useLocalDpi xmlns:a14="http://schemas.microsoft.com/office/drawing/2010/main" val="0"/>
+              </a:ext>
+            </a:extLst>
+          </a:blip>
+          <a:stretch>
+            <a:fillRect/>
+          </a:stretch>
+        </p:blipFill>
+        <p:spPr>
+          <a:xfrm>
+            <a:off x="764640" y="1410171"/>
+            <a:ext cx="8001000" cy="2190750"/>
+          </a:xfrm>
+          <a:prstGeom prst="rect">
+            <a:avLst/>
+          </a:prstGeom>
+        </p:spPr>
+      </p:pic>
+    </p:spTree>
+    <p:extLst>
+      <p:ext uri="{BB962C8B-B14F-4D97-AF65-F5344CB8AC3E}">
+        <p14:creationId xmlns:p14="http://schemas.microsoft.com/office/powerpoint/2010/main" val="756091118"/>
+      </p:ext>
+    </p:extLst>
+  </p:cSld>
+  <p:clrMapOvr>
+    <a:masterClrMapping/>
+  </p:clrMapOvr>
+</p:sld>
+</file>
+
+<file path=ppt/slides/slide35.xml><?xml version="1.0" encoding="utf-8"?>
+<p:sld xmlns:a="http://schemas.openxmlformats.org/drawingml/2006/main" xmlns:r="http://schemas.openxmlformats.org/officeDocument/2006/relationships" xmlns:p="http://schemas.openxmlformats.org/presentationml/2006/main">
+  <p:cSld>
+    <p:spTree>
+      <p:nvGrpSpPr>
+        <p:cNvPr id="1" name=""/>
+        <p:cNvGrpSpPr/>
+        <p:nvPr/>
+      </p:nvGrpSpPr>
+      <p:grpSpPr>
+        <a:xfrm>
+          <a:off x="0" y="0"/>
+          <a:ext cx="0" cy="0"/>
+          <a:chOff x="0" y="0"/>
+          <a:chExt cx="0" cy="0"/>
+        </a:xfrm>
+      </p:grpSpPr>
+      <p:sp>
+        <p:nvSpPr>
+          <p:cNvPr id="2" name="Заголовок 1">
+            <a:extLst>
+              <a:ext uri="{FF2B5EF4-FFF2-40B4-BE49-F238E27FC236}">
+                <a16:creationId xmlns:a16="http://schemas.microsoft.com/office/drawing/2014/main" id="{21D27BB6-08E6-4281-BADE-CF3DA3DD6C96}"/>
+              </a:ext>
+            </a:extLst>
+          </p:cNvPr>
+          <p:cNvSpPr>
+            <a:spLocks noGrp="1"/>
+          </p:cNvSpPr>
+          <p:nvPr>
+            <p:ph type="title"/>
+          </p:nvPr>
+        </p:nvSpPr>
+        <p:spPr/>
+        <p:txBody>
+          <a:bodyPr/>
+          <a:lstStyle/>
+          <a:p>
+            <a:r>
+              <a:rPr lang="ru-RU" dirty="0"/>
+              <a:t>Анализ данных</a:t>
+            </a:r>
+          </a:p>
+        </p:txBody>
+      </p:sp>
+      <p:sp>
+        <p:nvSpPr>
+          <p:cNvPr id="3" name="Объект 2">
+            <a:extLst>
+              <a:ext uri="{FF2B5EF4-FFF2-40B4-BE49-F238E27FC236}">
+                <a16:creationId xmlns:a16="http://schemas.microsoft.com/office/drawing/2014/main" id="{B0C124A6-BAD0-4E7C-8842-0AD1A03133FD}"/>
+              </a:ext>
+            </a:extLst>
+          </p:cNvPr>
+          <p:cNvSpPr>
+            <a:spLocks noGrp="1"/>
+          </p:cNvSpPr>
+          <p:nvPr>
+            <p:ph idx="1"/>
+          </p:nvPr>
+        </p:nvSpPr>
+        <p:spPr/>
+        <p:txBody>
+          <a:bodyPr>
+            <a:normAutofit fontScale="92500" lnSpcReduction="20000"/>
+          </a:bodyPr>
+          <a:lstStyle/>
+          <a:p>
+            <a:r>
+              <a:rPr lang="ru-RU" dirty="0"/>
+              <a:t>Статистическая относительность – значение параметра самого по себе может не нести такую ценность, как его связь с другими параметрами</a:t>
+            </a:r>
+          </a:p>
+          <a:p>
+            <a:r>
+              <a:rPr lang="ru-RU" dirty="0"/>
+              <a:t>Параметры извлекаемые из контекста – различные точки сбора данных могут привносить смещение в анализ</a:t>
+            </a:r>
+          </a:p>
+          <a:p>
+            <a:r>
+              <a:rPr lang="ru-RU" dirty="0"/>
+              <a:t>Статистическая значимость –</a:t>
+            </a:r>
+            <a:r>
+              <a:rPr lang="en-US" dirty="0"/>
+              <a:t> </a:t>
+            </a:r>
+            <a:r>
+              <a:rPr lang="ru-RU" dirty="0"/>
+              <a:t>при сравнении результатов от разных наборов данных оцените эти наборы</a:t>
+            </a:r>
+          </a:p>
+          <a:p>
+            <a:r>
+              <a:rPr lang="ru-RU" dirty="0"/>
+              <a:t>Корреляция полезный инструмент</a:t>
+            </a:r>
+          </a:p>
+          <a:p>
+            <a:r>
+              <a:rPr lang="ru-RU" dirty="0"/>
+              <a:t>Используйте различные методы получения усреднённого значения выборки</a:t>
+            </a:r>
+          </a:p>
+          <a:p>
+            <a:pPr lvl="1"/>
+            <a:r>
+              <a:rPr lang="ru-RU" dirty="0"/>
+              <a:t>Мода</a:t>
+            </a:r>
+          </a:p>
+          <a:p>
+            <a:pPr lvl="1"/>
+            <a:r>
+              <a:rPr lang="ru-RU" dirty="0"/>
+              <a:t>Среднее</a:t>
+            </a:r>
+          </a:p>
+          <a:p>
+            <a:pPr lvl="1"/>
+            <a:r>
+              <a:rPr lang="ru-RU" dirty="0"/>
+              <a:t>Медиана</a:t>
+            </a:r>
+          </a:p>
+          <a:p>
+            <a:endParaRPr lang="en-US" dirty="0"/>
+          </a:p>
+        </p:txBody>
+      </p:sp>
+    </p:spTree>
+    <p:extLst>
+      <p:ext uri="{BB962C8B-B14F-4D97-AF65-F5344CB8AC3E}">
+        <p14:creationId xmlns:p14="http://schemas.microsoft.com/office/powerpoint/2010/main" val="969108151"/>
+      </p:ext>
+    </p:extLst>
+  </p:cSld>
+  <p:clrMapOvr>
+    <a:masterClrMapping/>
+  </p:clrMapOvr>
+</p:sld>
+</file>
+
+<file path=ppt/slides/slide36.xml><?xml version="1.0" encoding="utf-8"?>
+<p:sld xmlns:a="http://schemas.openxmlformats.org/drawingml/2006/main" xmlns:r="http://schemas.openxmlformats.org/officeDocument/2006/relationships" xmlns:p="http://schemas.openxmlformats.org/presentationml/2006/main">
+  <p:cSld>
+    <p:spTree>
+      <p:nvGrpSpPr>
+        <p:cNvPr id="1" name=""/>
+        <p:cNvGrpSpPr/>
+        <p:nvPr/>
+      </p:nvGrpSpPr>
+      <p:grpSpPr>
+        <a:xfrm>
+          <a:off x="0" y="0"/>
+          <a:ext cx="0" cy="0"/>
+          <a:chOff x="0" y="0"/>
+          <a:chExt cx="0" cy="0"/>
+        </a:xfrm>
+      </p:grpSpPr>
+      <p:sp>
+        <p:nvSpPr>
+          <p:cNvPr id="2" name="Заголовок 1">
+            <a:extLst>
+              <a:ext uri="{FF2B5EF4-FFF2-40B4-BE49-F238E27FC236}">
+                <a16:creationId xmlns:a16="http://schemas.microsoft.com/office/drawing/2014/main" id="{21D27BB6-08E6-4281-BADE-CF3DA3DD6C96}"/>
+              </a:ext>
+            </a:extLst>
+          </p:cNvPr>
+          <p:cNvSpPr>
+            <a:spLocks noGrp="1"/>
+          </p:cNvSpPr>
+          <p:nvPr>
+            <p:ph type="title"/>
+          </p:nvPr>
+        </p:nvSpPr>
+        <p:spPr/>
+        <p:txBody>
+          <a:bodyPr/>
+          <a:lstStyle/>
+          <a:p>
+            <a:r>
+              <a:rPr lang="ru-RU" dirty="0"/>
+              <a:t>Ошибки</a:t>
+            </a:r>
+          </a:p>
+        </p:txBody>
+      </p:sp>
+      <p:sp>
+        <p:nvSpPr>
+          <p:cNvPr id="3" name="Объект 2">
+            <a:extLst>
+              <a:ext uri="{FF2B5EF4-FFF2-40B4-BE49-F238E27FC236}">
+                <a16:creationId xmlns:a16="http://schemas.microsoft.com/office/drawing/2014/main" id="{B0C124A6-BAD0-4E7C-8842-0AD1A03133FD}"/>
+              </a:ext>
+            </a:extLst>
+          </p:cNvPr>
+          <p:cNvSpPr>
+            <a:spLocks noGrp="1"/>
+          </p:cNvSpPr>
+          <p:nvPr>
+            <p:ph idx="1"/>
+          </p:nvPr>
+        </p:nvSpPr>
+        <p:spPr/>
+        <p:txBody>
+          <a:bodyPr>
+            <a:normAutofit/>
+          </a:bodyPr>
+          <a:lstStyle/>
+          <a:p>
+            <a:r>
+              <a:rPr lang="ru-RU" dirty="0"/>
+              <a:t>Некорректная интерпретация данных</a:t>
+            </a:r>
+          </a:p>
+          <a:p>
+            <a:r>
+              <a:rPr lang="ru-RU" dirty="0"/>
+              <a:t>Нужно узнать область применения результатов анализа, в первую очередь от этого зависит масштаб полученных данных</a:t>
+            </a:r>
+          </a:p>
+          <a:p>
+            <a:r>
+              <a:rPr lang="ru-RU" dirty="0"/>
+              <a:t>Сравнение данных за разный период времени</a:t>
+            </a:r>
+          </a:p>
+          <a:p>
+            <a:r>
+              <a:rPr lang="ru-RU" dirty="0"/>
+              <a:t>Прогнозы продаж без учёта сезонности</a:t>
+            </a:r>
+          </a:p>
+          <a:p>
+            <a:r>
+              <a:rPr lang="ru-RU" b="1" dirty="0"/>
+              <a:t>Некорректный анализ из-за выбросов</a:t>
+            </a:r>
+            <a:endParaRPr lang="en-US" b="1" dirty="0"/>
+          </a:p>
+        </p:txBody>
+      </p:sp>
+    </p:spTree>
+    <p:extLst>
+      <p:ext uri="{BB962C8B-B14F-4D97-AF65-F5344CB8AC3E}">
+        <p14:creationId xmlns:p14="http://schemas.microsoft.com/office/powerpoint/2010/main" val="124601079"/>
       </p:ext>
     </p:extLst>
   </p:cSld>
